--- a/phonebook3 삭제,수정폼,수정 그림.pptx
+++ b/phonebook3 삭제,수정폼,수정 그림.pptx
@@ -4961,7 +4961,7 @@
                 </a:solidFill>
                 <a:latin typeface="+mn-ea"/>
               </a:rPr>
-              <a:t>personDao</a:t>
+              <a:t>personDelete</a:t>
             </a:r>
             <a:r>
               <a:rPr lang="en-US" altLang="ko-KR" sz="1467" dirty="0" smtClean="0">
@@ -5396,9 +5396,9 @@
         <p:grpSpPr bwMode="auto">
           <a:xfrm>
             <a:off x="5278966" y="692151"/>
-            <a:ext cx="2017185" cy="1288733"/>
+            <a:ext cx="2017185" cy="1599816"/>
             <a:chOff x="4496160" y="613461"/>
-            <a:chExt cx="1511213" cy="965465"/>
+            <a:chExt cx="1511213" cy="869746"/>
           </a:xfrm>
         </p:grpSpPr>
         <p:sp>
@@ -5410,7 +5410,7 @@
           <p:spPr>
             <a:xfrm>
               <a:off x="4569104" y="864004"/>
-              <a:ext cx="1438269" cy="714922"/>
+              <a:ext cx="1438269" cy="619203"/>
             </a:xfrm>
             <a:prstGeom prst="rect">
               <a:avLst/>
@@ -5507,8 +5507,46 @@
                   </a:solidFill>
                   <a:latin typeface="+mn-ea"/>
                 </a:rPr>
-                <a:t>Request body</a:t>
+                <a:t>Request </a:t>
               </a:r>
+              <a:r>
+                <a:rPr lang="en-US" altLang="ko-KR" sz="1467" dirty="0" smtClean="0">
+                  <a:solidFill>
+                    <a:srgbClr val="222222"/>
+                  </a:solidFill>
+                  <a:latin typeface="+mn-ea"/>
+                </a:rPr>
+                <a:t>body</a:t>
+              </a:r>
+            </a:p>
+            <a:p>
+              <a:pPr>
+                <a:defRPr/>
+              </a:pPr>
+              <a:r>
+                <a:rPr lang="ko-KR" altLang="en-US" sz="1200" dirty="0" err="1">
+                  <a:solidFill>
+                    <a:srgbClr val="222222"/>
+                  </a:solidFill>
+                  <a:latin typeface="+mn-ea"/>
+                </a:rPr>
+                <a:t>파라미터</a:t>
+              </a:r>
+              <a:r>
+                <a:rPr lang="en-US" altLang="ko-KR" sz="1200" dirty="0" smtClean="0">
+                  <a:solidFill>
+                    <a:srgbClr val="222222"/>
+                  </a:solidFill>
+                  <a:latin typeface="+mn-ea"/>
+                </a:rPr>
+                <a:t>: no=</a:t>
+              </a:r>
+              <a:endParaRPr lang="en-US" altLang="ko-KR" sz="1200" dirty="0">
+                <a:solidFill>
+                  <a:srgbClr val="222222"/>
+                </a:solidFill>
+                <a:latin typeface="+mn-ea"/>
+              </a:endParaRPr>
             </a:p>
           </p:txBody>
         </p:sp>
@@ -6594,6 +6632,209 @@
       </p:grpSpPr>
       <p:sp>
         <p:nvSpPr>
+          <p:cNvPr id="34" name="직사각형 7"/>
+          <p:cNvSpPr>
+            <a:spLocks noChangeArrowheads="1"/>
+          </p:cNvSpPr>
+          <p:nvPr/>
+        </p:nvSpPr>
+        <p:spPr bwMode="auto">
+          <a:xfrm>
+            <a:off x="227829" y="1474701"/>
+            <a:ext cx="4693419" cy="325410"/>
+          </a:xfrm>
+          <a:prstGeom prst="rect">
+            <a:avLst/>
+          </a:prstGeom>
+          <a:solidFill>
+            <a:schemeClr val="bg1">
+              <a:lumMod val="85000"/>
+            </a:schemeClr>
+          </a:solidFill>
+          <a:ln>
+            <a:noFill/>
+          </a:ln>
+        </p:spPr>
+        <p:txBody>
+          <a:bodyPr wrap="square">
+            <a:spAutoFit/>
+          </a:bodyPr>
+          <a:lstStyle>
+            <a:lvl1pPr latinLnBrk="1">
+              <a:defRPr kumimoji="1">
+                <a:solidFill>
+                  <a:schemeClr val="tx1"/>
+                </a:solidFill>
+                <a:latin typeface="맑은 고딕" panose="020B0503020000020004" pitchFamily="50" charset="-127"/>
+                <a:ea typeface="굴림" panose="020B0600000101010101" pitchFamily="50" charset="-127"/>
+              </a:defRPr>
+            </a:lvl1pPr>
+            <a:lvl2pPr marL="742950" indent="-285750" latinLnBrk="1">
+              <a:defRPr kumimoji="1">
+                <a:solidFill>
+                  <a:schemeClr val="tx1"/>
+                </a:solidFill>
+                <a:latin typeface="맑은 고딕" panose="020B0503020000020004" pitchFamily="50" charset="-127"/>
+                <a:ea typeface="굴림" panose="020B0600000101010101" pitchFamily="50" charset="-127"/>
+              </a:defRPr>
+            </a:lvl2pPr>
+            <a:lvl3pPr marL="1143000" indent="-228600" latinLnBrk="1">
+              <a:defRPr kumimoji="1">
+                <a:solidFill>
+                  <a:schemeClr val="tx1"/>
+                </a:solidFill>
+                <a:latin typeface="맑은 고딕" panose="020B0503020000020004" pitchFamily="50" charset="-127"/>
+                <a:ea typeface="굴림" panose="020B0600000101010101" pitchFamily="50" charset="-127"/>
+              </a:defRPr>
+            </a:lvl3pPr>
+            <a:lvl4pPr marL="1600200" indent="-228600" latinLnBrk="1">
+              <a:defRPr kumimoji="1">
+                <a:solidFill>
+                  <a:schemeClr val="tx1"/>
+                </a:solidFill>
+                <a:latin typeface="맑은 고딕" panose="020B0503020000020004" pitchFamily="50" charset="-127"/>
+                <a:ea typeface="굴림" panose="020B0600000101010101" pitchFamily="50" charset="-127"/>
+              </a:defRPr>
+            </a:lvl4pPr>
+            <a:lvl5pPr marL="2057400" indent="-228600" latinLnBrk="1">
+              <a:defRPr kumimoji="1">
+                <a:solidFill>
+                  <a:schemeClr val="tx1"/>
+                </a:solidFill>
+                <a:latin typeface="맑은 고딕" panose="020B0503020000020004" pitchFamily="50" charset="-127"/>
+                <a:ea typeface="굴림" panose="020B0600000101010101" pitchFamily="50" charset="-127"/>
+              </a:defRPr>
+            </a:lvl5pPr>
+            <a:lvl6pPr marL="2514600" indent="-228600" eaLnBrk="0" fontAlgn="base" hangingPunct="0">
+              <a:spcBef>
+                <a:spcPct val="0"/>
+              </a:spcBef>
+              <a:spcAft>
+                <a:spcPct val="0"/>
+              </a:spcAft>
+              <a:defRPr kumimoji="1">
+                <a:solidFill>
+                  <a:schemeClr val="tx1"/>
+                </a:solidFill>
+                <a:latin typeface="맑은 고딕" panose="020B0503020000020004" pitchFamily="50" charset="-127"/>
+                <a:ea typeface="굴림" panose="020B0600000101010101" pitchFamily="50" charset="-127"/>
+              </a:defRPr>
+            </a:lvl6pPr>
+            <a:lvl7pPr marL="2971800" indent="-228600" eaLnBrk="0" fontAlgn="base" hangingPunct="0">
+              <a:spcBef>
+                <a:spcPct val="0"/>
+              </a:spcBef>
+              <a:spcAft>
+                <a:spcPct val="0"/>
+              </a:spcAft>
+              <a:defRPr kumimoji="1">
+                <a:solidFill>
+                  <a:schemeClr val="tx1"/>
+                </a:solidFill>
+                <a:latin typeface="맑은 고딕" panose="020B0503020000020004" pitchFamily="50" charset="-127"/>
+                <a:ea typeface="굴림" panose="020B0600000101010101" pitchFamily="50" charset="-127"/>
+              </a:defRPr>
+            </a:lvl7pPr>
+            <a:lvl8pPr marL="3429000" indent="-228600" eaLnBrk="0" fontAlgn="base" hangingPunct="0">
+              <a:spcBef>
+                <a:spcPct val="0"/>
+              </a:spcBef>
+              <a:spcAft>
+                <a:spcPct val="0"/>
+              </a:spcAft>
+              <a:defRPr kumimoji="1">
+                <a:solidFill>
+                  <a:schemeClr val="tx1"/>
+                </a:solidFill>
+                <a:latin typeface="맑은 고딕" panose="020B0503020000020004" pitchFamily="50" charset="-127"/>
+                <a:ea typeface="굴림" panose="020B0600000101010101" pitchFamily="50" charset="-127"/>
+              </a:defRPr>
+            </a:lvl8pPr>
+            <a:lvl9pPr marL="3886200" indent="-228600" eaLnBrk="0" fontAlgn="base" hangingPunct="0">
+              <a:spcBef>
+                <a:spcPct val="0"/>
+              </a:spcBef>
+              <a:spcAft>
+                <a:spcPct val="0"/>
+              </a:spcAft>
+              <a:defRPr kumimoji="1">
+                <a:solidFill>
+                  <a:schemeClr val="tx1"/>
+                </a:solidFill>
+                <a:latin typeface="맑은 고딕" panose="020B0503020000020004" pitchFamily="50" charset="-127"/>
+                <a:ea typeface="굴림" panose="020B0600000101010101" pitchFamily="50" charset="-127"/>
+              </a:defRPr>
+            </a:lvl9pPr>
+          </a:lstStyle>
+          <a:p>
+            <a:pPr eaLnBrk="1" hangingPunct="1">
+              <a:lnSpc>
+                <a:spcPct val="120000"/>
+              </a:lnSpc>
+              <a:defRPr/>
+            </a:pPr>
+            <a:r>
+              <a:rPr lang="en-US" altLang="ko-KR" sz="1400" dirty="0"/>
+              <a:t>http://</a:t>
+            </a:r>
+            <a:r>
+              <a:rPr lang="en-US" altLang="ko-KR" sz="1400" dirty="0" smtClean="0"/>
+              <a:t>localhost:8000/phonebook3/pbc?</a:t>
+            </a:r>
+            <a:r>
+              <a:rPr lang="en-US" altLang="ko-KR" sz="1400" b="1" dirty="0" smtClean="0">
+                <a:solidFill>
+                  <a:srgbClr val="00B050"/>
+                </a:solidFill>
+              </a:rPr>
+              <a:t>action=uFrom</a:t>
+            </a:r>
+            <a:endParaRPr lang="ko-KR" altLang="en-US" sz="1400" b="1" dirty="0">
+              <a:solidFill>
+                <a:srgbClr val="00B050"/>
+              </a:solidFill>
+            </a:endParaRPr>
+          </a:p>
+        </p:txBody>
+      </p:sp>
+      <p:cxnSp>
+        <p:nvCxnSpPr>
+          <p:cNvPr id="43" name="직선 화살표 연결선 42"/>
+          <p:cNvCxnSpPr/>
+          <p:nvPr/>
+        </p:nvCxnSpPr>
+        <p:spPr bwMode="auto">
+          <a:xfrm>
+            <a:off x="4197927" y="1757344"/>
+            <a:ext cx="3337407" cy="854623"/>
+          </a:xfrm>
+          <a:prstGeom prst="straightConnector1">
+            <a:avLst/>
+          </a:prstGeom>
+          <a:ln w="38100">
+            <a:solidFill>
+              <a:srgbClr val="00B050"/>
+            </a:solidFill>
+            <a:tailEnd type="arrow"/>
+          </a:ln>
+        </p:spPr>
+        <p:style>
+          <a:lnRef idx="1">
+            <a:schemeClr val="accent1"/>
+          </a:lnRef>
+          <a:fillRef idx="0">
+            <a:schemeClr val="accent1"/>
+          </a:fillRef>
+          <a:effectRef idx="0">
+            <a:schemeClr val="accent1"/>
+          </a:effectRef>
+          <a:fontRef idx="minor">
+            <a:schemeClr val="tx1"/>
+          </a:fontRef>
+        </p:style>
+      </p:cxnSp>
+      <p:sp>
+        <p:nvSpPr>
           <p:cNvPr id="14338" name="제목 2"/>
           <p:cNvSpPr>
             <a:spLocks noGrp="1"/>
@@ -7232,8 +7473,8 @@
         </p:nvCxnSpPr>
         <p:spPr>
           <a:xfrm>
-            <a:off x="7200900" y="1519768"/>
-            <a:ext cx="1049867" cy="613833"/>
+            <a:off x="7200900" y="1688400"/>
+            <a:ext cx="1048810" cy="445200"/>
           </a:xfrm>
           <a:prstGeom prst="bentConnector2">
             <a:avLst/>
@@ -7412,173 +7653,6 @@
       </p:sp>
       <p:sp>
         <p:nvSpPr>
-          <p:cNvPr id="34" name="직사각형 7"/>
-          <p:cNvSpPr>
-            <a:spLocks noChangeArrowheads="1"/>
-          </p:cNvSpPr>
-          <p:nvPr/>
-        </p:nvSpPr>
-        <p:spPr bwMode="auto">
-          <a:xfrm>
-            <a:off x="276923" y="1813026"/>
-            <a:ext cx="5477355" cy="387798"/>
-          </a:xfrm>
-          <a:prstGeom prst="rect">
-            <a:avLst/>
-          </a:prstGeom>
-          <a:solidFill>
-            <a:schemeClr val="bg1">
-              <a:lumMod val="85000"/>
-            </a:schemeClr>
-          </a:solidFill>
-          <a:ln>
-            <a:noFill/>
-          </a:ln>
-        </p:spPr>
-        <p:txBody>
-          <a:bodyPr wrap="square">
-            <a:spAutoFit/>
-          </a:bodyPr>
-          <a:lstStyle>
-            <a:lvl1pPr latinLnBrk="1">
-              <a:defRPr kumimoji="1">
-                <a:solidFill>
-                  <a:schemeClr val="tx1"/>
-                </a:solidFill>
-                <a:latin typeface="맑은 고딕" panose="020B0503020000020004" pitchFamily="50" charset="-127"/>
-                <a:ea typeface="굴림" panose="020B0600000101010101" pitchFamily="50" charset="-127"/>
-              </a:defRPr>
-            </a:lvl1pPr>
-            <a:lvl2pPr marL="742950" indent="-285750" latinLnBrk="1">
-              <a:defRPr kumimoji="1">
-                <a:solidFill>
-                  <a:schemeClr val="tx1"/>
-                </a:solidFill>
-                <a:latin typeface="맑은 고딕" panose="020B0503020000020004" pitchFamily="50" charset="-127"/>
-                <a:ea typeface="굴림" panose="020B0600000101010101" pitchFamily="50" charset="-127"/>
-              </a:defRPr>
-            </a:lvl2pPr>
-            <a:lvl3pPr marL="1143000" indent="-228600" latinLnBrk="1">
-              <a:defRPr kumimoji="1">
-                <a:solidFill>
-                  <a:schemeClr val="tx1"/>
-                </a:solidFill>
-                <a:latin typeface="맑은 고딕" panose="020B0503020000020004" pitchFamily="50" charset="-127"/>
-                <a:ea typeface="굴림" panose="020B0600000101010101" pitchFamily="50" charset="-127"/>
-              </a:defRPr>
-            </a:lvl3pPr>
-            <a:lvl4pPr marL="1600200" indent="-228600" latinLnBrk="1">
-              <a:defRPr kumimoji="1">
-                <a:solidFill>
-                  <a:schemeClr val="tx1"/>
-                </a:solidFill>
-                <a:latin typeface="맑은 고딕" panose="020B0503020000020004" pitchFamily="50" charset="-127"/>
-                <a:ea typeface="굴림" panose="020B0600000101010101" pitchFamily="50" charset="-127"/>
-              </a:defRPr>
-            </a:lvl4pPr>
-            <a:lvl5pPr marL="2057400" indent="-228600" latinLnBrk="1">
-              <a:defRPr kumimoji="1">
-                <a:solidFill>
-                  <a:schemeClr val="tx1"/>
-                </a:solidFill>
-                <a:latin typeface="맑은 고딕" panose="020B0503020000020004" pitchFamily="50" charset="-127"/>
-                <a:ea typeface="굴림" panose="020B0600000101010101" pitchFamily="50" charset="-127"/>
-              </a:defRPr>
-            </a:lvl5pPr>
-            <a:lvl6pPr marL="2514600" indent="-228600" eaLnBrk="0" fontAlgn="base" hangingPunct="0">
-              <a:spcBef>
-                <a:spcPct val="0"/>
-              </a:spcBef>
-              <a:spcAft>
-                <a:spcPct val="0"/>
-              </a:spcAft>
-              <a:defRPr kumimoji="1">
-                <a:solidFill>
-                  <a:schemeClr val="tx1"/>
-                </a:solidFill>
-                <a:latin typeface="맑은 고딕" panose="020B0503020000020004" pitchFamily="50" charset="-127"/>
-                <a:ea typeface="굴림" panose="020B0600000101010101" pitchFamily="50" charset="-127"/>
-              </a:defRPr>
-            </a:lvl6pPr>
-            <a:lvl7pPr marL="2971800" indent="-228600" eaLnBrk="0" fontAlgn="base" hangingPunct="0">
-              <a:spcBef>
-                <a:spcPct val="0"/>
-              </a:spcBef>
-              <a:spcAft>
-                <a:spcPct val="0"/>
-              </a:spcAft>
-              <a:defRPr kumimoji="1">
-                <a:solidFill>
-                  <a:schemeClr val="tx1"/>
-                </a:solidFill>
-                <a:latin typeface="맑은 고딕" panose="020B0503020000020004" pitchFamily="50" charset="-127"/>
-                <a:ea typeface="굴림" panose="020B0600000101010101" pitchFamily="50" charset="-127"/>
-              </a:defRPr>
-            </a:lvl7pPr>
-            <a:lvl8pPr marL="3429000" indent="-228600" eaLnBrk="0" fontAlgn="base" hangingPunct="0">
-              <a:spcBef>
-                <a:spcPct val="0"/>
-              </a:spcBef>
-              <a:spcAft>
-                <a:spcPct val="0"/>
-              </a:spcAft>
-              <a:defRPr kumimoji="1">
-                <a:solidFill>
-                  <a:schemeClr val="tx1"/>
-                </a:solidFill>
-                <a:latin typeface="맑은 고딕" panose="020B0503020000020004" pitchFamily="50" charset="-127"/>
-                <a:ea typeface="굴림" panose="020B0600000101010101" pitchFamily="50" charset="-127"/>
-              </a:defRPr>
-            </a:lvl8pPr>
-            <a:lvl9pPr marL="3886200" indent="-228600" eaLnBrk="0" fontAlgn="base" hangingPunct="0">
-              <a:spcBef>
-                <a:spcPct val="0"/>
-              </a:spcBef>
-              <a:spcAft>
-                <a:spcPct val="0"/>
-              </a:spcAft>
-              <a:defRPr kumimoji="1">
-                <a:solidFill>
-                  <a:schemeClr val="tx1"/>
-                </a:solidFill>
-                <a:latin typeface="맑은 고딕" panose="020B0503020000020004" pitchFamily="50" charset="-127"/>
-                <a:ea typeface="굴림" panose="020B0600000101010101" pitchFamily="50" charset="-127"/>
-              </a:defRPr>
-            </a:lvl9pPr>
-          </a:lstStyle>
-          <a:p>
-            <a:pPr eaLnBrk="1" hangingPunct="1">
-              <a:lnSpc>
-                <a:spcPct val="120000"/>
-              </a:lnSpc>
-              <a:defRPr/>
-            </a:pPr>
-            <a:r>
-              <a:rPr lang="en-US" altLang="ko-KR" sz="1467" dirty="0"/>
-              <a:t>http://</a:t>
-            </a:r>
-            <a:r>
-              <a:rPr lang="en-US" altLang="ko-KR" sz="1600" dirty="0" smtClean="0"/>
-              <a:t>localhost:8000/phonebook3/pbc?</a:t>
-            </a:r>
-            <a:r>
-              <a:rPr lang="en-US" altLang="ko-KR" sz="1600" b="1" dirty="0" smtClean="0">
-                <a:solidFill>
-                  <a:srgbClr val="00B050"/>
-                </a:solidFill>
-              </a:rPr>
-              <a:t>action=uFrom</a:t>
-            </a:r>
-            <a:endParaRPr lang="ko-KR" altLang="en-US" sz="1600" b="1" dirty="0">
-              <a:solidFill>
-                <a:srgbClr val="00B050"/>
-              </a:solidFill>
-            </a:endParaRPr>
-          </a:p>
-        </p:txBody>
-      </p:sp>
-      <p:sp>
-        <p:nvSpPr>
           <p:cNvPr id="35" name="TextBox 34"/>
           <p:cNvSpPr txBox="1"/>
           <p:nvPr/>
@@ -7752,132 +7826,12 @@
         </p:nvGrpSpPr>
         <p:grpSpPr bwMode="auto">
           <a:xfrm>
-            <a:off x="5278967" y="692151"/>
-            <a:ext cx="1921933" cy="1288733"/>
-            <a:chOff x="4496160" y="613461"/>
-            <a:chExt cx="1439853" cy="965465"/>
+            <a:off x="5029200" y="692151"/>
+            <a:ext cx="2171700" cy="1658065"/>
+            <a:chOff x="4309043" y="613461"/>
+            <a:chExt cx="1626971" cy="1242153"/>
           </a:xfrm>
         </p:grpSpPr>
-        <p:sp>
-          <p:nvSpPr>
-            <p:cNvPr id="60" name="직사각형 59"/>
-            <p:cNvSpPr/>
-            <p:nvPr/>
-          </p:nvSpPr>
-          <p:spPr>
-            <a:xfrm>
-              <a:off x="4496160" y="864004"/>
-              <a:ext cx="1439853" cy="714922"/>
-            </a:xfrm>
-            <a:prstGeom prst="rect">
-              <a:avLst/>
-            </a:prstGeom>
-            <a:solidFill>
-              <a:schemeClr val="bg1">
-                <a:lumMod val="95000"/>
-              </a:schemeClr>
-            </a:solidFill>
-            <a:ln>
-              <a:solidFill>
-                <a:schemeClr val="bg1">
-                  <a:lumMod val="65000"/>
-                </a:schemeClr>
-              </a:solidFill>
-            </a:ln>
-          </p:spPr>
-          <p:txBody>
-            <a:bodyPr wrap="square">
-              <a:spAutoFit/>
-            </a:bodyPr>
-            <a:lstStyle/>
-            <a:p>
-              <a:pPr>
-                <a:defRPr/>
-              </a:pPr>
-              <a:r>
-                <a:rPr lang="en-US" altLang="ko-KR" sz="1467" dirty="0">
-                  <a:solidFill>
-                    <a:srgbClr val="222222"/>
-                  </a:solidFill>
-                  <a:latin typeface="+mn-ea"/>
-                </a:rPr>
-                <a:t>Request header</a:t>
-              </a:r>
-            </a:p>
-            <a:p>
-              <a:pPr>
-                <a:defRPr/>
-              </a:pPr>
-              <a:r>
-                <a:rPr lang="ko-KR" altLang="en-US" sz="1200" dirty="0" err="1">
-                  <a:solidFill>
-                    <a:srgbClr val="222222"/>
-                  </a:solidFill>
-                  <a:latin typeface="+mn-ea"/>
-                </a:rPr>
-                <a:t>파라미터</a:t>
-              </a:r>
-              <a:r>
-                <a:rPr lang="en-US" altLang="ko-KR" sz="1200" dirty="0">
-                  <a:solidFill>
-                    <a:srgbClr val="222222"/>
-                  </a:solidFill>
-                  <a:latin typeface="+mn-ea"/>
-                </a:rPr>
-                <a:t>: </a:t>
-              </a:r>
-              <a:r>
-                <a:rPr lang="en-US" altLang="ko-KR" sz="1200" b="1" dirty="0" smtClean="0">
-                  <a:solidFill>
-                    <a:srgbClr val="00B050"/>
-                  </a:solidFill>
-                  <a:latin typeface="+mn-ea"/>
-                </a:rPr>
-                <a:t>action=</a:t>
-              </a:r>
-              <a:r>
-                <a:rPr lang="en-US" altLang="ko-KR" sz="1200" b="1" dirty="0" err="1" smtClean="0">
-                  <a:solidFill>
-                    <a:srgbClr val="00B050"/>
-                  </a:solidFill>
-                  <a:latin typeface="+mn-ea"/>
-                </a:rPr>
-                <a:t>uFrom</a:t>
-              </a:r>
-              <a:endParaRPr lang="en-US" altLang="ko-KR" sz="1200" dirty="0">
-                <a:solidFill>
-                  <a:srgbClr val="222222"/>
-                </a:solidFill>
-                <a:latin typeface="+mn-ea"/>
-              </a:endParaRPr>
-            </a:p>
-            <a:p>
-              <a:pPr>
-                <a:defRPr/>
-              </a:pPr>
-              <a:endParaRPr lang="en-US" altLang="ko-KR" sz="1467" dirty="0">
-                <a:solidFill>
-                  <a:srgbClr val="222222"/>
-                </a:solidFill>
-                <a:latin typeface="+mn-ea"/>
-              </a:endParaRPr>
-            </a:p>
-            <a:p>
-              <a:pPr>
-                <a:defRPr/>
-              </a:pPr>
-              <a:r>
-                <a:rPr lang="en-US" altLang="ko-KR" sz="1467" dirty="0">
-                  <a:solidFill>
-                    <a:srgbClr val="222222"/>
-                  </a:solidFill>
-                  <a:latin typeface="+mn-ea"/>
-                </a:rPr>
-                <a:t>Request body</a:t>
-              </a:r>
-            </a:p>
-          </p:txBody>
-        </p:sp>
         <p:sp>
           <p:nvSpPr>
             <p:cNvPr id="62" name="직사각형 7"/>
@@ -8067,6 +8021,182 @@
               <a:endParaRPr lang="ko-KR" altLang="en-US" sz="1467" dirty="0">
                 <a:latin typeface="+mn-ea"/>
                 <a:ea typeface="+mn-ea"/>
+              </a:endParaRPr>
+            </a:p>
+          </p:txBody>
+        </p:sp>
+        <p:sp>
+          <p:nvSpPr>
+            <p:cNvPr id="60" name="직사각형 59"/>
+            <p:cNvSpPr/>
+            <p:nvPr/>
+          </p:nvSpPr>
+          <p:spPr>
+            <a:xfrm>
+              <a:off x="4309043" y="864004"/>
+              <a:ext cx="1626971" cy="991610"/>
+            </a:xfrm>
+            <a:prstGeom prst="rect">
+              <a:avLst/>
+            </a:prstGeom>
+            <a:solidFill>
+              <a:schemeClr val="bg1">
+                <a:lumMod val="95000"/>
+              </a:schemeClr>
+            </a:solidFill>
+            <a:ln>
+              <a:solidFill>
+                <a:schemeClr val="bg1">
+                  <a:lumMod val="65000"/>
+                </a:schemeClr>
+              </a:solidFill>
+            </a:ln>
+          </p:spPr>
+          <p:txBody>
+            <a:bodyPr wrap="square">
+              <a:spAutoFit/>
+            </a:bodyPr>
+            <a:lstStyle/>
+            <a:p>
+              <a:pPr>
+                <a:defRPr/>
+              </a:pPr>
+              <a:r>
+                <a:rPr lang="en-US" altLang="ko-KR" sz="1467" dirty="0">
+                  <a:solidFill>
+                    <a:srgbClr val="222222"/>
+                  </a:solidFill>
+                  <a:latin typeface="+mn-ea"/>
+                </a:rPr>
+                <a:t>Request header</a:t>
+              </a:r>
+            </a:p>
+            <a:p>
+              <a:pPr>
+                <a:defRPr/>
+              </a:pPr>
+              <a:r>
+                <a:rPr lang="ko-KR" altLang="en-US" sz="1200" dirty="0" err="1">
+                  <a:solidFill>
+                    <a:srgbClr val="222222"/>
+                  </a:solidFill>
+                  <a:latin typeface="+mn-ea"/>
+                </a:rPr>
+                <a:t>파라미터</a:t>
+              </a:r>
+              <a:r>
+                <a:rPr lang="en-US" altLang="ko-KR" sz="1200" dirty="0">
+                  <a:solidFill>
+                    <a:srgbClr val="222222"/>
+                  </a:solidFill>
+                  <a:latin typeface="+mn-ea"/>
+                </a:rPr>
+                <a:t>: </a:t>
+              </a:r>
+              <a:r>
+                <a:rPr lang="en-US" altLang="ko-KR" sz="1200" b="1" dirty="0" smtClean="0">
+                  <a:solidFill>
+                    <a:srgbClr val="00B050"/>
+                  </a:solidFill>
+                  <a:latin typeface="+mn-ea"/>
+                </a:rPr>
+                <a:t>action=</a:t>
+              </a:r>
+              <a:r>
+                <a:rPr lang="en-US" altLang="ko-KR" sz="1200" b="1" dirty="0" err="1" smtClean="0">
+                  <a:solidFill>
+                    <a:srgbClr val="00B050"/>
+                  </a:solidFill>
+                  <a:latin typeface="+mn-ea"/>
+                </a:rPr>
+                <a:t>uFrom</a:t>
+              </a:r>
+              <a:endParaRPr lang="en-US" altLang="ko-KR" sz="1200" dirty="0">
+                <a:solidFill>
+                  <a:srgbClr val="222222"/>
+                </a:solidFill>
+                <a:latin typeface="+mn-ea"/>
+              </a:endParaRPr>
+            </a:p>
+            <a:p>
+              <a:pPr>
+                <a:defRPr/>
+              </a:pPr>
+              <a:endParaRPr lang="en-US" altLang="ko-KR" sz="1467" dirty="0">
+                <a:solidFill>
+                  <a:srgbClr val="222222"/>
+                </a:solidFill>
+                <a:latin typeface="+mn-ea"/>
+              </a:endParaRPr>
+            </a:p>
+            <a:p>
+              <a:pPr>
+                <a:defRPr/>
+              </a:pPr>
+              <a:r>
+                <a:rPr lang="en-US" altLang="ko-KR" sz="1467" dirty="0">
+                  <a:solidFill>
+                    <a:srgbClr val="222222"/>
+                  </a:solidFill>
+                  <a:latin typeface="+mn-ea"/>
+                </a:rPr>
+                <a:t>Request </a:t>
+              </a:r>
+              <a:r>
+                <a:rPr lang="en-US" altLang="ko-KR" sz="1467" dirty="0" smtClean="0">
+                  <a:solidFill>
+                    <a:srgbClr val="222222"/>
+                  </a:solidFill>
+                  <a:latin typeface="+mn-ea"/>
+                </a:rPr>
+                <a:t>body</a:t>
+              </a:r>
+            </a:p>
+            <a:p>
+              <a:pPr>
+                <a:defRPr/>
+              </a:pPr>
+              <a:r>
+                <a:rPr lang="ko-KR" altLang="en-US" sz="1200" dirty="0" err="1" smtClean="0">
+                  <a:solidFill>
+                    <a:srgbClr val="222222"/>
+                  </a:solidFill>
+                  <a:latin typeface="+mn-ea"/>
+                </a:rPr>
+                <a:t>파라미터</a:t>
+              </a:r>
+              <a:r>
+                <a:rPr lang="en-US" altLang="ko-KR" sz="1200" dirty="0" smtClean="0">
+                  <a:solidFill>
+                    <a:srgbClr val="222222"/>
+                  </a:solidFill>
+                  <a:latin typeface="+mn-ea"/>
+                </a:rPr>
+                <a:t>: id=,name=,</a:t>
+              </a:r>
+              <a:r>
+                <a:rPr lang="en-US" altLang="ko-KR" sz="1200" dirty="0" err="1" smtClean="0">
+                  <a:solidFill>
+                    <a:srgbClr val="222222"/>
+                  </a:solidFill>
+                  <a:latin typeface="+mn-ea"/>
+                </a:rPr>
+                <a:t>hp</a:t>
+              </a:r>
+              <a:r>
+                <a:rPr lang="en-US" altLang="ko-KR" sz="1200" dirty="0" smtClean="0">
+                  <a:solidFill>
+                    <a:srgbClr val="222222"/>
+                  </a:solidFill>
+                  <a:latin typeface="+mn-ea"/>
+                </a:rPr>
+                <a:t>=,company=</a:t>
+              </a:r>
+              <a:endParaRPr lang="en-US" altLang="ko-KR" sz="1200" dirty="0">
+                <a:solidFill>
+                  <a:srgbClr val="222222"/>
+                </a:solidFill>
+                <a:latin typeface="+mn-ea"/>
               </a:endParaRPr>
             </a:p>
           </p:txBody>
@@ -8391,10 +8521,10 @@
         </p:nvGrpSpPr>
         <p:grpSpPr bwMode="auto">
           <a:xfrm>
-            <a:off x="5278967" y="4309819"/>
-            <a:ext cx="2932699" cy="1247633"/>
-            <a:chOff x="4096952" y="613461"/>
-            <a:chExt cx="2199020" cy="935123"/>
+            <a:off x="5194299" y="4309819"/>
+            <a:ext cx="2690283" cy="1247633"/>
+            <a:chOff x="4096953" y="613461"/>
+            <a:chExt cx="2017250" cy="935123"/>
           </a:xfrm>
         </p:grpSpPr>
         <p:sp>
@@ -8405,8 +8535,8 @@
           </p:nvSpPr>
           <p:spPr>
             <a:xfrm>
-              <a:off x="4096952" y="864125"/>
-              <a:ext cx="2199020" cy="684459"/>
+              <a:off x="4096953" y="864125"/>
+              <a:ext cx="2017250" cy="684459"/>
             </a:xfrm>
             <a:prstGeom prst="rect">
               <a:avLst/>
@@ -8481,22 +8611,6 @@
                 </a:rPr>
                 <a:t>uFrom</a:t>
               </a:r>
-              <a:r>
-                <a:rPr lang="en-US" altLang="ko-KR" sz="1200" b="1" dirty="0" smtClean="0">
-                  <a:solidFill>
-                    <a:srgbClr val="00B050"/>
-                  </a:solidFill>
-                </a:rPr>
-                <a:t>?</a:t>
-              </a:r>
-              <a:r>
-                <a:rPr lang="ko-KR" altLang="en-US" sz="1200" b="1" dirty="0" smtClean="0">
-                  <a:solidFill>
-                    <a:srgbClr val="00B050"/>
-                  </a:solidFill>
-                </a:rPr>
-                <a:t>값</a:t>
-              </a:r>
               <a:endParaRPr lang="en-US" altLang="ko-KR" sz="1467" dirty="0">
                 <a:solidFill>
                   <a:srgbClr val="222222"/>
@@ -8524,44 +8638,43 @@
               </a:pPr>
               <a:r>
                 <a:rPr lang="ko-KR" altLang="en-US" sz="1200" dirty="0" err="1">
+                  <a:solidFill>
+                    <a:srgbClr val="222222"/>
+                  </a:solidFill>
                   <a:latin typeface="+mn-ea"/>
                 </a:rPr>
-                <a:t>어트리뷰트</a:t>
+                <a:t>파라미터</a:t>
               </a:r>
               <a:r>
                 <a:rPr lang="en-US" altLang="ko-KR" sz="1200" dirty="0">
+                  <a:solidFill>
+                    <a:srgbClr val="222222"/>
+                  </a:solidFill>
                   <a:latin typeface="+mn-ea"/>
                 </a:rPr>
-                <a:t>: “</a:t>
+                <a:t>: id=,name=,</a:t>
               </a:r>
               <a:r>
                 <a:rPr lang="en-US" altLang="ko-KR" sz="1200" dirty="0" err="1">
+                  <a:solidFill>
+                    <a:srgbClr val="222222"/>
+                  </a:solidFill>
                   <a:latin typeface="+mn-ea"/>
                 </a:rPr>
-                <a:t>pList</a:t>
+                <a:t>hp</a:t>
               </a:r>
               <a:r>
                 <a:rPr lang="en-US" altLang="ko-KR" sz="1200" dirty="0">
+                  <a:solidFill>
+                    <a:srgbClr val="222222"/>
+                  </a:solidFill>
                   <a:latin typeface="+mn-ea"/>
                 </a:rPr>
-                <a:t>”, </a:t>
+                <a:t>=,company=</a:t>
               </a:r>
-              <a:r>
-                <a:rPr lang="en-US" altLang="ko-KR" sz="1200" b="1" dirty="0" err="1">
-                  <a:solidFill>
-                    <a:schemeClr val="accent6">
-                      <a:lumMod val="75000"/>
-                    </a:schemeClr>
-                  </a:solidFill>
-                  <a:latin typeface="+mn-ea"/>
-                </a:rPr>
-                <a:t>personList</a:t>
-              </a:r>
-              <a:endParaRPr lang="en-US" altLang="ko-KR" sz="1200" b="1" dirty="0">
-                <a:solidFill>
-                  <a:schemeClr val="accent6">
-                    <a:lumMod val="75000"/>
-                  </a:schemeClr>
+              <a:endParaRPr lang="en-US" altLang="ko-KR" sz="1200" dirty="0">
+                <a:solidFill>
+                  <a:srgbClr val="222222"/>
                 </a:solidFill>
                 <a:latin typeface="+mn-ea"/>
               </a:endParaRPr>
@@ -9358,42 +9471,6 @@
           </a:fontRef>
         </p:style>
       </p:cxnSp>
-      <p:cxnSp>
-        <p:nvCxnSpPr>
-          <p:cNvPr id="43" name="직선 화살표 연결선 42"/>
-          <p:cNvCxnSpPr/>
-          <p:nvPr/>
-        </p:nvCxnSpPr>
-        <p:spPr bwMode="auto">
-          <a:xfrm>
-            <a:off x="5539317" y="2171701"/>
-            <a:ext cx="1996017" cy="440266"/>
-          </a:xfrm>
-          <a:prstGeom prst="straightConnector1">
-            <a:avLst/>
-          </a:prstGeom>
-          <a:ln w="38100">
-            <a:solidFill>
-              <a:srgbClr val="00B050"/>
-            </a:solidFill>
-            <a:tailEnd type="arrow"/>
-          </a:ln>
-        </p:spPr>
-        <p:style>
-          <a:lnRef idx="1">
-            <a:schemeClr val="accent1"/>
-          </a:lnRef>
-          <a:fillRef idx="0">
-            <a:schemeClr val="accent1"/>
-          </a:fillRef>
-          <a:effectRef idx="0">
-            <a:schemeClr val="accent1"/>
-          </a:effectRef>
-          <a:fontRef idx="minor">
-            <a:schemeClr val="tx1"/>
-          </a:fontRef>
-        </p:style>
-      </p:cxnSp>
     </p:spTree>
     <p:extLst>
       <p:ext uri="{BB962C8B-B14F-4D97-AF65-F5344CB8AC3E}">
@@ -10168,7 +10245,7 @@
         </p:nvSpPr>
         <p:spPr bwMode="auto">
           <a:xfrm>
-            <a:off x="303746" y="1206557"/>
+            <a:off x="146276" y="1179080"/>
             <a:ext cx="4758726" cy="332399"/>
           </a:xfrm>
           <a:prstGeom prst="rect">
@@ -10315,15 +10392,7 @@
                   <a:srgbClr val="00B050"/>
                 </a:solidFill>
               </a:rPr>
-              <a:t>action=update&amp;</a:t>
-            </a:r>
-            <a:r>
-              <a:rPr lang="ko-KR" altLang="en-US" sz="1300" b="1" dirty="0" smtClean="0">
-                <a:solidFill>
-                  <a:srgbClr val="00B050"/>
-                </a:solidFill>
-              </a:rPr>
-              <a:t>값</a:t>
+              <a:t>action=update</a:t>
             </a:r>
             <a:endParaRPr lang="ko-KR" altLang="en-US" sz="1300" b="1" dirty="0">
               <a:solidFill>
@@ -10343,10 +10412,10 @@
         </p:nvGrpSpPr>
         <p:grpSpPr bwMode="auto">
           <a:xfrm>
-            <a:off x="5172072" y="692152"/>
-            <a:ext cx="2051824" cy="1319056"/>
-            <a:chOff x="4496160" y="613461"/>
-            <a:chExt cx="1457082" cy="1092946"/>
+            <a:off x="5058836" y="617021"/>
+            <a:ext cx="2181236" cy="1652055"/>
+            <a:chOff x="4410521" y="487664"/>
+            <a:chExt cx="1548983" cy="1368863"/>
           </a:xfrm>
         </p:grpSpPr>
         <p:sp>
@@ -10357,8 +10426,8 @@
           </p:nvSpPr>
           <p:spPr>
             <a:xfrm>
-              <a:off x="4513389" y="853141"/>
-              <a:ext cx="1439853" cy="853266"/>
+              <a:off x="4421196" y="759789"/>
+              <a:ext cx="1538308" cy="1096738"/>
             </a:xfrm>
             <a:prstGeom prst="rect">
               <a:avLst/>
@@ -10455,8 +10524,73 @@
                   </a:solidFill>
                   <a:latin typeface="+mn-ea"/>
                 </a:rPr>
-                <a:t>Request body</a:t>
+                <a:t>Request </a:t>
               </a:r>
+              <a:r>
+                <a:rPr lang="en-US" altLang="ko-KR" sz="1467" dirty="0" smtClean="0">
+                  <a:solidFill>
+                    <a:srgbClr val="222222"/>
+                  </a:solidFill>
+                  <a:latin typeface="+mn-ea"/>
+                </a:rPr>
+                <a:t>body</a:t>
+              </a:r>
+            </a:p>
+            <a:p>
+              <a:pPr>
+                <a:defRPr/>
+              </a:pPr>
+              <a:r>
+                <a:rPr lang="ko-KR" altLang="en-US" sz="1200" dirty="0" err="1">
+                  <a:solidFill>
+                    <a:srgbClr val="222222"/>
+                  </a:solidFill>
+                  <a:latin typeface="+mn-ea"/>
+                </a:rPr>
+                <a:t>파라미터</a:t>
+              </a:r>
+              <a:r>
+                <a:rPr lang="en-US" altLang="ko-KR" sz="1200" dirty="0">
+                  <a:solidFill>
+                    <a:srgbClr val="222222"/>
+                  </a:solidFill>
+                  <a:latin typeface="+mn-ea"/>
+                </a:rPr>
+                <a:t>: id=,name=,</a:t>
+              </a:r>
+              <a:r>
+                <a:rPr lang="en-US" altLang="ko-KR" sz="1200" dirty="0" err="1">
+                  <a:solidFill>
+                    <a:srgbClr val="222222"/>
+                  </a:solidFill>
+                  <a:latin typeface="+mn-ea"/>
+                </a:rPr>
+                <a:t>hp</a:t>
+              </a:r>
+              <a:r>
+                <a:rPr lang="en-US" altLang="ko-KR" sz="1200" dirty="0">
+                  <a:solidFill>
+                    <a:srgbClr val="222222"/>
+                  </a:solidFill>
+                  <a:latin typeface="+mn-ea"/>
+                </a:rPr>
+                <a:t>=,company</a:t>
+              </a:r>
+              <a:r>
+                <a:rPr lang="en-US" altLang="ko-KR" sz="1200" dirty="0" smtClean="0">
+                  <a:solidFill>
+                    <a:srgbClr val="222222"/>
+                  </a:solidFill>
+                  <a:latin typeface="+mn-ea"/>
+                </a:rPr>
+                <a:t>=</a:t>
+              </a:r>
+              <a:endParaRPr lang="en-US" altLang="ko-KR" sz="1200" dirty="0">
+                <a:solidFill>
+                  <a:srgbClr val="222222"/>
+                </a:solidFill>
+                <a:latin typeface="+mn-ea"/>
+              </a:endParaRPr>
             </a:p>
           </p:txBody>
         </p:sp>
@@ -10470,7 +10604,7 @@
           </p:nvSpPr>
           <p:spPr bwMode="auto">
             <a:xfrm>
-              <a:off x="4496160" y="613461"/>
+              <a:off x="4410521" y="487664"/>
               <a:ext cx="1057690" cy="272125"/>
             </a:xfrm>
             <a:prstGeom prst="rect">
@@ -10778,7 +10912,7 @@
                 </a:solidFill>
                 <a:latin typeface="+mn-ea"/>
               </a:rPr>
-              <a:t>personVo</a:t>
+              <a:t>personUpdate</a:t>
             </a:r>
             <a:r>
               <a:rPr lang="en-US" altLang="ko-KR" sz="1467" dirty="0" smtClean="0">
